--- a/Books and PPTS/Hibernate/Multi Row Operations.pptx
+++ b/Books and PPTS/Hibernate/Multi Row Operations.pptx
@@ -163,10 +163,6 @@
 </p:presentation>
 </file>
 
-<file path=ppt/revisionInfo.xml><?xml version="1.0" encoding="utf-8"?>
-<p1510:revInfo xmlns:a="http://schemas.openxmlformats.org/drawingml/2006/main" xmlns:r="http://schemas.openxmlformats.org/officeDocument/2006/relationships" xmlns:p1510="http://schemas.microsoft.com/office/powerpoint/2015/10/main"/>
-</file>
-
 <file path=ppt/slideLayouts/slideLayout1.xml><?xml version="1.0" encoding="utf-8"?>
 <p:sldLayout xmlns:a="http://schemas.openxmlformats.org/drawingml/2006/main" xmlns:r="http://schemas.openxmlformats.org/officeDocument/2006/relationships" xmlns:p="http://schemas.openxmlformats.org/presentationml/2006/main" type="title" preserve="1">
   <p:cSld name="Title Slide">
@@ -346,7 +342,7 @@
           <a:p>
             <a:fld id="{18AE6198-35F6-437B-AE76-007BCFE7BDAE}" type="datetimeFigureOut">
               <a:rPr lang="en-US" smtClean="0"/>
-              <a:t>10/23/2017</a:t>
+              <a:t>12/14/21</a:t>
             </a:fld>
             <a:endParaRPr lang="en-US"/>
           </a:p>
@@ -514,7 +510,7 @@
           <a:p>
             <a:fld id="{18AE6198-35F6-437B-AE76-007BCFE7BDAE}" type="datetimeFigureOut">
               <a:rPr lang="en-US" smtClean="0"/>
-              <a:t>10/23/2017</a:t>
+              <a:t>12/14/21</a:t>
             </a:fld>
             <a:endParaRPr lang="en-US"/>
           </a:p>
@@ -692,7 +688,7 @@
           <a:p>
             <a:fld id="{18AE6198-35F6-437B-AE76-007BCFE7BDAE}" type="datetimeFigureOut">
               <a:rPr lang="en-US" smtClean="0"/>
-              <a:t>10/23/2017</a:t>
+              <a:t>12/14/21</a:t>
             </a:fld>
             <a:endParaRPr lang="en-US"/>
           </a:p>
@@ -860,7 +856,7 @@
           <a:p>
             <a:fld id="{18AE6198-35F6-437B-AE76-007BCFE7BDAE}" type="datetimeFigureOut">
               <a:rPr lang="en-US" smtClean="0"/>
-              <a:t>10/23/2017</a:t>
+              <a:t>12/14/21</a:t>
             </a:fld>
             <a:endParaRPr lang="en-US"/>
           </a:p>
@@ -1105,7 +1101,7 @@
           <a:p>
             <a:fld id="{18AE6198-35F6-437B-AE76-007BCFE7BDAE}" type="datetimeFigureOut">
               <a:rPr lang="en-US" smtClean="0"/>
-              <a:t>10/23/2017</a:t>
+              <a:t>12/14/21</a:t>
             </a:fld>
             <a:endParaRPr lang="en-US"/>
           </a:p>
@@ -1390,7 +1386,7 @@
           <a:p>
             <a:fld id="{18AE6198-35F6-437B-AE76-007BCFE7BDAE}" type="datetimeFigureOut">
               <a:rPr lang="en-US" smtClean="0"/>
-              <a:t>10/23/2017</a:t>
+              <a:t>12/14/21</a:t>
             </a:fld>
             <a:endParaRPr lang="en-US"/>
           </a:p>
@@ -1809,7 +1805,7 @@
           <a:p>
             <a:fld id="{18AE6198-35F6-437B-AE76-007BCFE7BDAE}" type="datetimeFigureOut">
               <a:rPr lang="en-US" smtClean="0"/>
-              <a:t>10/23/2017</a:t>
+              <a:t>12/14/21</a:t>
             </a:fld>
             <a:endParaRPr lang="en-US"/>
           </a:p>
@@ -1926,7 +1922,7 @@
           <a:p>
             <a:fld id="{18AE6198-35F6-437B-AE76-007BCFE7BDAE}" type="datetimeFigureOut">
               <a:rPr lang="en-US" smtClean="0"/>
-              <a:t>10/23/2017</a:t>
+              <a:t>12/14/21</a:t>
             </a:fld>
             <a:endParaRPr lang="en-US"/>
           </a:p>
@@ -2021,7 +2017,7 @@
           <a:p>
             <a:fld id="{18AE6198-35F6-437B-AE76-007BCFE7BDAE}" type="datetimeFigureOut">
               <a:rPr lang="en-US" smtClean="0"/>
-              <a:t>10/23/2017</a:t>
+              <a:t>12/14/21</a:t>
             </a:fld>
             <a:endParaRPr lang="en-US"/>
           </a:p>
@@ -2296,7 +2292,7 @@
           <a:p>
             <a:fld id="{18AE6198-35F6-437B-AE76-007BCFE7BDAE}" type="datetimeFigureOut">
               <a:rPr lang="en-US" smtClean="0"/>
-              <a:t>10/23/2017</a:t>
+              <a:t>12/14/21</a:t>
             </a:fld>
             <a:endParaRPr lang="en-US"/>
           </a:p>
@@ -2548,7 +2544,7 @@
           <a:p>
             <a:fld id="{18AE6198-35F6-437B-AE76-007BCFE7BDAE}" type="datetimeFigureOut">
               <a:rPr lang="en-US" smtClean="0"/>
-              <a:t>10/23/2017</a:t>
+              <a:t>12/14/21</a:t>
             </a:fld>
             <a:endParaRPr lang="en-US"/>
           </a:p>
@@ -2759,7 +2755,7 @@
           <a:p>
             <a:fld id="{18AE6198-35F6-437B-AE76-007BCFE7BDAE}" type="datetimeFigureOut">
               <a:rPr lang="en-US" smtClean="0"/>
-              <a:t>10/23/2017</a:t>
+              <a:t>12/14/21</a:t>
             </a:fld>
             <a:endParaRPr lang="en-US"/>
           </a:p>
@@ -10755,7 +10751,7 @@
           <a:p>
             <a:r>
               <a:rPr lang="en-US" dirty="0"/>
-              <a:t>Hibernate 3.x software internally uses </a:t>
+              <a:t>Hibernate 5.x software internally uses </a:t>
             </a:r>
             <a:r>
               <a:rPr lang="en-US" b="1" dirty="0"/>
@@ -10771,15 +10767,7 @@
             </a:r>
             <a:r>
               <a:rPr lang="en-US" dirty="0"/>
-              <a:t> </a:t>
-            </a:r>
-            <a:r>
-              <a:rPr lang="en-US" dirty="0" err="1"/>
-              <a:t>queriesn</a:t>
-            </a:r>
-            <a:r>
-              <a:rPr lang="en-US" dirty="0"/>
-              <a:t> into database specific s/w equivalent </a:t>
+              <a:t> queries into database specific s/w equivalent </a:t>
             </a:r>
             <a:r>
               <a:rPr lang="en-US" dirty="0" err="1"/>
